--- a/Documents/Backorder prediction.pptx
+++ b/Documents/Backorder prediction.pptx
@@ -268,7 +268,7 @@
   </p:defaultTextStyle>
   <p:extLst>
     <p:ext uri="{EFAFB233-063F-42B5-8137-9DF3F51BA10A}">
-      <p15:sldGuideLst xmlns:ahyp="http://schemas.microsoft.com/office/drawing/2018/hyperlinkcolor" xmlns:p15="http://schemas.microsoft.com/office/powerpoint/2012/main" xmlns:p14="http://schemas.microsoft.com/office/powerpoint/2010/main" xmlns:com="http://schemas.openxmlformats.org/drawingml/2006/compatibility" xmlns:pvml="urn:schemas-microsoft-com:office:powerpoint" xmlns:v="urn:schemas-microsoft-com:vml" xmlns:o="urn:schemas-microsoft-com:office:office" xmlns:dgm="http://schemas.openxmlformats.org/drawingml/2006/diagram" xmlns:c="http://schemas.openxmlformats.org/drawingml/2006/chart" xmlns:mv="urn:schemas-microsoft-com:mac:vml" xmlns:mc="http://schemas.openxmlformats.org/markup-compatibility/2006" xmlns="">
+      <p15:sldGuideLst xmlns="" xmlns:mc="http://schemas.openxmlformats.org/markup-compatibility/2006" xmlns:mv="urn:schemas-microsoft-com:mac:vml" xmlns:c="http://schemas.openxmlformats.org/drawingml/2006/chart" xmlns:dgm="http://schemas.openxmlformats.org/drawingml/2006/diagram" xmlns:o="urn:schemas-microsoft-com:office:office" xmlns:v="urn:schemas-microsoft-com:vml" xmlns:pvml="urn:schemas-microsoft-com:office:powerpoint" xmlns:com="http://schemas.openxmlformats.org/drawingml/2006/compatibility" xmlns:p14="http://schemas.microsoft.com/office/powerpoint/2010/main" xmlns:p15="http://schemas.microsoft.com/office/powerpoint/2012/main" xmlns:ahyp="http://schemas.microsoft.com/office/drawing/2018/hyperlinkcolor">
         <p15:guide id="1" orient="horz" pos="1620">
           <p15:clr>
             <a:srgbClr val="A4A3A4"/>
@@ -8373,15 +8373,6 @@
               </a:rPr>
               <a:t>Written By M.Shabarish</a:t>
             </a:r>
-            <a:endParaRPr lang="en" b="1" dirty="0" smtClean="0">
-              <a:solidFill>
-                <a:schemeClr val="dk2"/>
-              </a:solidFill>
-              <a:latin typeface="Times New Roman"/>
-              <a:ea typeface="Times New Roman"/>
-              <a:cs typeface="Times New Roman"/>
-              <a:sym typeface="Times New Roman"/>
-            </a:endParaRPr>
           </a:p>
           <a:p>
             <a:pPr marL="0" lvl="0" indent="0" algn="l" rtl="0">
@@ -9164,7 +9155,7 @@
       </p:sp>
       <p:pic>
         <p:nvPicPr>
-          <p:cNvPr id="4" name="Picture 3" descr="PROJECT ARCHITECUTRE MAIN.png"/>
+          <p:cNvPr id="5" name="Picture 4" descr="PROJECT ARCHITECUTRE MAIN (2).png"/>
           <p:cNvPicPr>
             <a:picLocks noChangeAspect="1"/>
           </p:cNvPicPr>
@@ -9178,7 +9169,7 @@
         </p:blipFill>
         <p:spPr>
           <a:xfrm>
-            <a:off x="216826" y="1397669"/>
+            <a:off x="278703" y="1403541"/>
             <a:ext cx="8435340" cy="3505200"/>
           </a:xfrm>
           <a:prstGeom prst="rect">
@@ -10796,19 +10787,7 @@
                 <a:cs typeface="Times New Roman"/>
                 <a:sym typeface="Times New Roman"/>
               </a:rPr>
-              <a:t>streamlit application </a:t>
-            </a:r>
-            <a:r>
-              <a:rPr lang="en" sz="1400" dirty="0" smtClean="0">
-                <a:solidFill>
-                  <a:schemeClr val="dk2"/>
-                </a:solidFill>
-                <a:latin typeface="Times New Roman"/>
-                <a:ea typeface="Times New Roman"/>
-                <a:cs typeface="Times New Roman"/>
-                <a:sym typeface="Times New Roman"/>
-              </a:rPr>
-              <a:t>those </a:t>
+              <a:t>streamlit application those </a:t>
             </a:r>
             <a:r>
               <a:rPr lang="en" sz="1400" dirty="0">
@@ -10920,19 +10899,7 @@
                 <a:cs typeface="Times New Roman"/>
                 <a:sym typeface="Times New Roman"/>
               </a:rPr>
-              <a:t>dowload the data from</a:t>
-            </a:r>
-            <a:r>
-              <a:rPr lang="en" sz="1400" dirty="0" smtClean="0">
-                <a:solidFill>
-                  <a:schemeClr val="dk2"/>
-                </a:solidFill>
-                <a:latin typeface="Times New Roman"/>
-                <a:ea typeface="Times New Roman"/>
-                <a:cs typeface="Times New Roman"/>
-                <a:sym typeface="Times New Roman"/>
-              </a:rPr>
-              <a:t> </a:t>
+              <a:t>dowload the data from </a:t>
             </a:r>
             <a:r>
               <a:rPr lang="en" sz="1400" dirty="0">
